--- a/1_SQL/2_PPT/28_Index/2_Non-Clustered Index/1_Non-Clustered Index.pptx
+++ b/1_SQL/2_PPT/28_Index/2_Non-Clustered Index/1_Non-Clustered Index.pptx
@@ -108,6 +108,11 @@
       </a:defRPr>
     </a:lvl9pPr>
   </p:defaultTextStyle>
+  <p:extLst>
+    <p:ext uri="{EFAFB233-063F-42B5-8137-9DF3F51BA10A}">
+      <p15:sldGuideLst xmlns:p15="http://schemas.microsoft.com/office/powerpoint/2012/main"/>
+    </p:ext>
+  </p:extLst>
 </p:presentation>
 </file>
 
@@ -3346,6 +3351,74 @@
           <a:chExt cx="0" cy="0"/>
         </a:xfrm>
       </p:grpSpPr>
+      <p:pic>
+        <p:nvPicPr>
+          <p:cNvPr id="3" name="Picture 2">
+            <a:extLst>
+              <a:ext uri="{FF2B5EF4-FFF2-40B4-BE49-F238E27FC236}">
+                <a16:creationId xmlns:a16="http://schemas.microsoft.com/office/drawing/2014/main" id="{FA3143F9-E020-401B-976B-0F1C96B79394}"/>
+              </a:ext>
+            </a:extLst>
+          </p:cNvPr>
+          <p:cNvPicPr>
+            <a:picLocks noChangeAspect="1"/>
+          </p:cNvPicPr>
+          <p:nvPr/>
+        </p:nvPicPr>
+        <p:blipFill rotWithShape="1">
+          <a:blip r:embed="rId2"/>
+          <a:srcRect l="18501" t="28553" r="20100" b="32201"/>
+          <a:stretch/>
+        </p:blipFill>
+        <p:spPr>
+          <a:xfrm>
+            <a:off x="258793" y="207034"/>
+            <a:ext cx="5091420" cy="2033961"/>
+          </a:xfrm>
+          <a:prstGeom prst="rect">
+            <a:avLst/>
+          </a:prstGeom>
+          <a:ln w="15875">
+            <a:solidFill>
+              <a:schemeClr val="tx1"/>
+            </a:solidFill>
+          </a:ln>
+        </p:spPr>
+      </p:pic>
+      <p:pic>
+        <p:nvPicPr>
+          <p:cNvPr id="5" name="Picture 4">
+            <a:extLst>
+              <a:ext uri="{FF2B5EF4-FFF2-40B4-BE49-F238E27FC236}">
+                <a16:creationId xmlns:a16="http://schemas.microsoft.com/office/drawing/2014/main" id="{B446D37E-7D52-424F-BE56-7512DBE178E1}"/>
+              </a:ext>
+            </a:extLst>
+          </p:cNvPr>
+          <p:cNvPicPr>
+            <a:picLocks noChangeAspect="1"/>
+          </p:cNvPicPr>
+          <p:nvPr/>
+        </p:nvPicPr>
+        <p:blipFill rotWithShape="1">
+          <a:blip r:embed="rId3"/>
+          <a:srcRect l="18558" t="23405" r="21247" b="38156"/>
+          <a:stretch/>
+        </p:blipFill>
+        <p:spPr>
+          <a:xfrm>
+            <a:off x="258793" y="2645923"/>
+            <a:ext cx="5837207" cy="2329725"/>
+          </a:xfrm>
+          <a:prstGeom prst="rect">
+            <a:avLst/>
+          </a:prstGeom>
+          <a:ln w="15875">
+            <a:solidFill>
+              <a:schemeClr val="tx1"/>
+            </a:solidFill>
+          </a:ln>
+        </p:spPr>
+      </p:pic>
     </p:spTree>
     <p:extLst>
       <p:ext uri="{BB962C8B-B14F-4D97-AF65-F5344CB8AC3E}">

--- a/1_SQL/2_PPT/28_Index/2_Non-Clustered Index/1_Non-Clustered Index.pptx
+++ b/1_SQL/2_PPT/28_Index/2_Non-Clustered Index/1_Non-Clustered Index.pptx
@@ -8,8 +8,6 @@
     <p:sldId id="256" r:id="rId2"/>
     <p:sldId id="257" r:id="rId3"/>
     <p:sldId id="258" r:id="rId4"/>
-    <p:sldId id="259" r:id="rId5"/>
-    <p:sldId id="260" r:id="rId6"/>
   </p:sldIdLst>
   <p:sldSz cx="12192000" cy="6858000"/>
   <p:notesSz cx="6858000" cy="9144000"/>
@@ -265,7 +263,7 @@
           <a:p>
             <a:fld id="{807EAB5A-D752-43A1-AC97-D8811F01101D}" type="datetimeFigureOut">
               <a:rPr lang="en-IN" smtClean="0"/>
-              <a:t>11-12-2022</a:t>
+              <a:t>14-12-2022</a:t>
             </a:fld>
             <a:endParaRPr lang="en-IN"/>
           </a:p>
@@ -465,7 +463,7 @@
           <a:p>
             <a:fld id="{807EAB5A-D752-43A1-AC97-D8811F01101D}" type="datetimeFigureOut">
               <a:rPr lang="en-IN" smtClean="0"/>
-              <a:t>11-12-2022</a:t>
+              <a:t>14-12-2022</a:t>
             </a:fld>
             <a:endParaRPr lang="en-IN"/>
           </a:p>
@@ -675,7 +673,7 @@
           <a:p>
             <a:fld id="{807EAB5A-D752-43A1-AC97-D8811F01101D}" type="datetimeFigureOut">
               <a:rPr lang="en-IN" smtClean="0"/>
-              <a:t>11-12-2022</a:t>
+              <a:t>14-12-2022</a:t>
             </a:fld>
             <a:endParaRPr lang="en-IN"/>
           </a:p>
@@ -875,7 +873,7 @@
           <a:p>
             <a:fld id="{807EAB5A-D752-43A1-AC97-D8811F01101D}" type="datetimeFigureOut">
               <a:rPr lang="en-IN" smtClean="0"/>
-              <a:t>11-12-2022</a:t>
+              <a:t>14-12-2022</a:t>
             </a:fld>
             <a:endParaRPr lang="en-IN"/>
           </a:p>
@@ -1151,7 +1149,7 @@
           <a:p>
             <a:fld id="{807EAB5A-D752-43A1-AC97-D8811F01101D}" type="datetimeFigureOut">
               <a:rPr lang="en-IN" smtClean="0"/>
-              <a:t>11-12-2022</a:t>
+              <a:t>14-12-2022</a:t>
             </a:fld>
             <a:endParaRPr lang="en-IN"/>
           </a:p>
@@ -1419,7 +1417,7 @@
           <a:p>
             <a:fld id="{807EAB5A-D752-43A1-AC97-D8811F01101D}" type="datetimeFigureOut">
               <a:rPr lang="en-IN" smtClean="0"/>
-              <a:t>11-12-2022</a:t>
+              <a:t>14-12-2022</a:t>
             </a:fld>
             <a:endParaRPr lang="en-IN"/>
           </a:p>
@@ -1834,7 +1832,7 @@
           <a:p>
             <a:fld id="{807EAB5A-D752-43A1-AC97-D8811F01101D}" type="datetimeFigureOut">
               <a:rPr lang="en-IN" smtClean="0"/>
-              <a:t>11-12-2022</a:t>
+              <a:t>14-12-2022</a:t>
             </a:fld>
             <a:endParaRPr lang="en-IN"/>
           </a:p>
@@ -1976,7 +1974,7 @@
           <a:p>
             <a:fld id="{807EAB5A-D752-43A1-AC97-D8811F01101D}" type="datetimeFigureOut">
               <a:rPr lang="en-IN" smtClean="0"/>
-              <a:t>11-12-2022</a:t>
+              <a:t>14-12-2022</a:t>
             </a:fld>
             <a:endParaRPr lang="en-IN"/>
           </a:p>
@@ -2089,7 +2087,7 @@
           <a:p>
             <a:fld id="{807EAB5A-D752-43A1-AC97-D8811F01101D}" type="datetimeFigureOut">
               <a:rPr lang="en-IN" smtClean="0"/>
-              <a:t>11-12-2022</a:t>
+              <a:t>14-12-2022</a:t>
             </a:fld>
             <a:endParaRPr lang="en-IN"/>
           </a:p>
@@ -2402,7 +2400,7 @@
           <a:p>
             <a:fld id="{807EAB5A-D752-43A1-AC97-D8811F01101D}" type="datetimeFigureOut">
               <a:rPr lang="en-IN" smtClean="0"/>
-              <a:t>11-12-2022</a:t>
+              <a:t>14-12-2022</a:t>
             </a:fld>
             <a:endParaRPr lang="en-IN"/>
           </a:p>
@@ -2691,7 +2689,7 @@
           <a:p>
             <a:fld id="{807EAB5A-D752-43A1-AC97-D8811F01101D}" type="datetimeFigureOut">
               <a:rPr lang="en-IN" smtClean="0"/>
-              <a:t>11-12-2022</a:t>
+              <a:t>14-12-2022</a:t>
             </a:fld>
             <a:endParaRPr lang="en-IN"/>
           </a:p>
@@ -2934,7 +2932,7 @@
           <a:p>
             <a:fld id="{807EAB5A-D752-43A1-AC97-D8811F01101D}" type="datetimeFigureOut">
               <a:rPr lang="en-IN" smtClean="0"/>
-              <a:t>11-12-2022</a:t>
+              <a:t>14-12-2022</a:t>
             </a:fld>
             <a:endParaRPr lang="en-IN"/>
           </a:p>
@@ -3385,40 +3383,6 @@
           </a:ln>
         </p:spPr>
       </p:pic>
-      <p:pic>
-        <p:nvPicPr>
-          <p:cNvPr id="5" name="Picture 4">
-            <a:extLst>
-              <a:ext uri="{FF2B5EF4-FFF2-40B4-BE49-F238E27FC236}">
-                <a16:creationId xmlns:a16="http://schemas.microsoft.com/office/drawing/2014/main" id="{B446D37E-7D52-424F-BE56-7512DBE178E1}"/>
-              </a:ext>
-            </a:extLst>
-          </p:cNvPr>
-          <p:cNvPicPr>
-            <a:picLocks noChangeAspect="1"/>
-          </p:cNvPicPr>
-          <p:nvPr/>
-        </p:nvPicPr>
-        <p:blipFill rotWithShape="1">
-          <a:blip r:embed="rId3"/>
-          <a:srcRect l="18558" t="23405" r="21247" b="38156"/>
-          <a:stretch/>
-        </p:blipFill>
-        <p:spPr>
-          <a:xfrm>
-            <a:off x="258793" y="2645923"/>
-            <a:ext cx="5837207" cy="2329725"/>
-          </a:xfrm>
-          <a:prstGeom prst="rect">
-            <a:avLst/>
-          </a:prstGeom>
-          <a:ln w="15875">
-            <a:solidFill>
-              <a:schemeClr val="tx1"/>
-            </a:solidFill>
-          </a:ln>
-        </p:spPr>
-      </p:pic>
     </p:spTree>
     <p:extLst>
       <p:ext uri="{BB962C8B-B14F-4D97-AF65-F5344CB8AC3E}">
@@ -3449,6 +3413,35 @@
           <a:chExt cx="0" cy="0"/>
         </a:xfrm>
       </p:grpSpPr>
+      <p:pic>
+        <p:nvPicPr>
+          <p:cNvPr id="3" name="Picture 2">
+            <a:extLst>
+              <a:ext uri="{FF2B5EF4-FFF2-40B4-BE49-F238E27FC236}">
+                <a16:creationId xmlns:a16="http://schemas.microsoft.com/office/drawing/2014/main" id="{D53DEC43-BC92-487D-9E16-78296716F65B}"/>
+              </a:ext>
+            </a:extLst>
+          </p:cNvPr>
+          <p:cNvPicPr>
+            <a:picLocks noChangeAspect="1"/>
+          </p:cNvPicPr>
+          <p:nvPr/>
+        </p:nvPicPr>
+        <p:blipFill rotWithShape="1">
+          <a:blip r:embed="rId2"/>
+          <a:srcRect l="16928" t="11195" r="17427" b="27799"/>
+          <a:stretch/>
+        </p:blipFill>
+        <p:spPr>
+          <a:xfrm>
+            <a:off x="241541" y="207034"/>
+            <a:ext cx="6797614" cy="3948316"/>
+          </a:xfrm>
+          <a:prstGeom prst="rect">
+            <a:avLst/>
+          </a:prstGeom>
+        </p:spPr>
+      </p:pic>
     </p:spTree>
     <p:extLst>
       <p:ext uri="{BB962C8B-B14F-4D97-AF65-F5344CB8AC3E}">
@@ -3483,66 +3476,6 @@
     <p:extLst>
       <p:ext uri="{BB962C8B-B14F-4D97-AF65-F5344CB8AC3E}">
         <p14:creationId xmlns:p14="http://schemas.microsoft.com/office/powerpoint/2010/main" val="1179766232"/>
-      </p:ext>
-    </p:extLst>
-  </p:cSld>
-  <p:clrMapOvr>
-    <a:masterClrMapping/>
-  </p:clrMapOvr>
-</p:sld>
-</file>
-
-<file path=ppt/slides/slide4.xml><?xml version="1.0" encoding="utf-8"?>
-<p:sld xmlns:a="http://schemas.openxmlformats.org/drawingml/2006/main" xmlns:r="http://schemas.openxmlformats.org/officeDocument/2006/relationships" xmlns:p="http://schemas.openxmlformats.org/presentationml/2006/main">
-  <p:cSld>
-    <p:spTree>
-      <p:nvGrpSpPr>
-        <p:cNvPr id="1" name=""/>
-        <p:cNvGrpSpPr/>
-        <p:nvPr/>
-      </p:nvGrpSpPr>
-      <p:grpSpPr>
-        <a:xfrm>
-          <a:off x="0" y="0"/>
-          <a:ext cx="0" cy="0"/>
-          <a:chOff x="0" y="0"/>
-          <a:chExt cx="0" cy="0"/>
-        </a:xfrm>
-      </p:grpSpPr>
-    </p:spTree>
-    <p:extLst>
-      <p:ext uri="{BB962C8B-B14F-4D97-AF65-F5344CB8AC3E}">
-        <p14:creationId xmlns:p14="http://schemas.microsoft.com/office/powerpoint/2010/main" val="3749679303"/>
-      </p:ext>
-    </p:extLst>
-  </p:cSld>
-  <p:clrMapOvr>
-    <a:masterClrMapping/>
-  </p:clrMapOvr>
-</p:sld>
-</file>
-
-<file path=ppt/slides/slide5.xml><?xml version="1.0" encoding="utf-8"?>
-<p:sld xmlns:a="http://schemas.openxmlformats.org/drawingml/2006/main" xmlns:r="http://schemas.openxmlformats.org/officeDocument/2006/relationships" xmlns:p="http://schemas.openxmlformats.org/presentationml/2006/main">
-  <p:cSld>
-    <p:spTree>
-      <p:nvGrpSpPr>
-        <p:cNvPr id="1" name=""/>
-        <p:cNvGrpSpPr/>
-        <p:nvPr/>
-      </p:nvGrpSpPr>
-      <p:grpSpPr>
-        <a:xfrm>
-          <a:off x="0" y="0"/>
-          <a:ext cx="0" cy="0"/>
-          <a:chOff x="0" y="0"/>
-          <a:chExt cx="0" cy="0"/>
-        </a:xfrm>
-      </p:grpSpPr>
-    </p:spTree>
-    <p:extLst>
-      <p:ext uri="{BB962C8B-B14F-4D97-AF65-F5344CB8AC3E}">
-        <p14:creationId xmlns:p14="http://schemas.microsoft.com/office/powerpoint/2010/main" val="1624051411"/>
       </p:ext>
     </p:extLst>
   </p:cSld>
